--- a/IDCO云服务/一期讨论/5.iDoc Cloud功能及设计建议（sijie.zhi-2018-12-5）.pptx
+++ b/IDCO云服务/一期讨论/5.iDoc Cloud功能及设计建议（sijie.zhi-2018-12-5）.pptx
@@ -10245,6 +10245,7 @@
   <p:tag name="KSO_WM_SLIDE_INDEX" val="1"/>
   <p:tag name="KSO_WM_TEMPLATE_SUBCATEGORY" val="combine"/>
   <p:tag name="KSO_WM_TEMPLATE_THUMBS_INDEX" val="1、2、3、4、5、7、10、12、13、"/>
+  <p:tag name="KSO_WM_SLIDE_MODEL_TYPE" val="cover"/>
 </p:tagLst>
 </file>
 
